--- a/Election_Prediction_Presentation.pptx
+++ b/Election_Prediction_Presentation.pptx
@@ -125,6 +125,11 @@
       </a:defRPr>
     </a:lvl9pPr>
   </p:defaultTextStyle>
+  <p:extLst>
+    <p:ext uri="{EFAFB233-063F-42B5-8137-9DF3F51BA10A}">
+      <p15:sldGuideLst xmlns:p15="http://schemas.microsoft.com/office/powerpoint/2012/main"/>
+    </p:ext>
+  </p:extLst>
 </p:presentation>
 </file>
 
@@ -864,7 +869,7 @@
           <a:p>
             <a:fld id="{471319CA-78EC-4738-84A9-76031A37FFBE}" type="datetimeFigureOut">
               <a:rPr lang="en-US" smtClean="0"/>
-              <a:t>10-Sep-24</a:t>
+              <a:t>9/12/24</a:t>
             </a:fld>
             <a:endParaRPr lang="en-US"/>
           </a:p>
@@ -1062,7 +1067,7 @@
           <a:p>
             <a:fld id="{471319CA-78EC-4738-84A9-76031A37FFBE}" type="datetimeFigureOut">
               <a:rPr lang="en-US" smtClean="0"/>
-              <a:t>10-Sep-24</a:t>
+              <a:t>9/12/24</a:t>
             </a:fld>
             <a:endParaRPr lang="en-US"/>
           </a:p>
@@ -1270,7 +1275,7 @@
           <a:p>
             <a:fld id="{471319CA-78EC-4738-84A9-76031A37FFBE}" type="datetimeFigureOut">
               <a:rPr lang="en-US" smtClean="0"/>
-              <a:t>10-Sep-24</a:t>
+              <a:t>9/12/24</a:t>
             </a:fld>
             <a:endParaRPr lang="en-US"/>
           </a:p>
@@ -1468,7 +1473,7 @@
           <a:p>
             <a:fld id="{471319CA-78EC-4738-84A9-76031A37FFBE}" type="datetimeFigureOut">
               <a:rPr lang="en-US" smtClean="0"/>
-              <a:t>10-Sep-24</a:t>
+              <a:t>9/12/24</a:t>
             </a:fld>
             <a:endParaRPr lang="en-US"/>
           </a:p>
@@ -1743,7 +1748,7 @@
           <a:p>
             <a:fld id="{471319CA-78EC-4738-84A9-76031A37FFBE}" type="datetimeFigureOut">
               <a:rPr lang="en-US" smtClean="0"/>
-              <a:t>10-Sep-24</a:t>
+              <a:t>9/12/24</a:t>
             </a:fld>
             <a:endParaRPr lang="en-US"/>
           </a:p>
@@ -2008,7 +2013,7 @@
           <a:p>
             <a:fld id="{471319CA-78EC-4738-84A9-76031A37FFBE}" type="datetimeFigureOut">
               <a:rPr lang="en-US" smtClean="0"/>
-              <a:t>10-Sep-24</a:t>
+              <a:t>9/12/24</a:t>
             </a:fld>
             <a:endParaRPr lang="en-US"/>
           </a:p>
@@ -2420,7 +2425,7 @@
           <a:p>
             <a:fld id="{471319CA-78EC-4738-84A9-76031A37FFBE}" type="datetimeFigureOut">
               <a:rPr lang="en-US" smtClean="0"/>
-              <a:t>10-Sep-24</a:t>
+              <a:t>9/12/24</a:t>
             </a:fld>
             <a:endParaRPr lang="en-US"/>
           </a:p>
@@ -2561,7 +2566,7 @@
           <a:p>
             <a:fld id="{471319CA-78EC-4738-84A9-76031A37FFBE}" type="datetimeFigureOut">
               <a:rPr lang="en-US" smtClean="0"/>
-              <a:t>10-Sep-24</a:t>
+              <a:t>9/12/24</a:t>
             </a:fld>
             <a:endParaRPr lang="en-US"/>
           </a:p>
@@ -2674,7 +2679,7 @@
           <a:p>
             <a:fld id="{471319CA-78EC-4738-84A9-76031A37FFBE}" type="datetimeFigureOut">
               <a:rPr lang="en-US" smtClean="0"/>
-              <a:t>10-Sep-24</a:t>
+              <a:t>9/12/24</a:t>
             </a:fld>
             <a:endParaRPr lang="en-US"/>
           </a:p>
@@ -2985,7 +2990,7 @@
           <a:p>
             <a:fld id="{471319CA-78EC-4738-84A9-76031A37FFBE}" type="datetimeFigureOut">
               <a:rPr lang="en-US" smtClean="0"/>
-              <a:t>10-Sep-24</a:t>
+              <a:t>9/12/24</a:t>
             </a:fld>
             <a:endParaRPr lang="en-US"/>
           </a:p>
@@ -3273,7 +3278,7 @@
           <a:p>
             <a:fld id="{471319CA-78EC-4738-84A9-76031A37FFBE}" type="datetimeFigureOut">
               <a:rPr lang="en-US" smtClean="0"/>
-              <a:t>10-Sep-24</a:t>
+              <a:t>9/12/24</a:t>
             </a:fld>
             <a:endParaRPr lang="en-US"/>
           </a:p>
@@ -3524,7 +3529,7 @@
           <a:p>
             <a:fld id="{471319CA-78EC-4738-84A9-76031A37FFBE}" type="datetimeFigureOut">
               <a:rPr lang="en-US" smtClean="0"/>
-              <a:t>10-Sep-24</a:t>
+              <a:t>9/12/24</a:t>
             </a:fld>
             <a:endParaRPr lang="en-US"/>
           </a:p>
@@ -4003,16 +4008,92 @@
           </p:nvPr>
         </p:nvSpPr>
         <p:spPr>
+          <a:xfrm flipV="1">
+            <a:off x="788193" y="1448791"/>
+            <a:ext cx="10515600" cy="2161308"/>
+          </a:xfrm>
+        </p:spPr>
+        <p:txBody>
+          <a:bodyPr>
+            <a:normAutofit/>
+          </a:bodyPr>
+          <a:lstStyle/>
+          <a:p>
+            <a:r>
+              <a:rPr lang="en-US" dirty="0"/>
+              <a:t> </a:t>
+            </a:r>
+          </a:p>
+        </p:txBody>
+      </p:sp>
+      <p:sp>
+        <p:nvSpPr>
+          <p:cNvPr id="3" name="TextBox 2">
+            <a:extLst>
+              <a:ext uri="{FF2B5EF4-FFF2-40B4-BE49-F238E27FC236}">
+                <a16:creationId xmlns:a16="http://schemas.microsoft.com/office/drawing/2014/main" id="{0626FC26-4BC2-C365-ADE7-DD4B6CA5DF01}"/>
+              </a:ext>
+            </a:extLst>
+          </p:cNvPr>
+          <p:cNvSpPr txBox="1"/>
+          <p:nvPr/>
+        </p:nvSpPr>
+        <p:spPr>
           <a:xfrm>
-            <a:off x="788193" y="1722437"/>
-            <a:ext cx="10515600" cy="1325563"/>
-          </a:xfrm>
+            <a:off x="888207" y="2274838"/>
+            <a:ext cx="4512623" cy="2308324"/>
+          </a:xfrm>
+          <a:prstGeom prst="rect">
+            <a:avLst/>
+          </a:prstGeom>
+          <a:noFill/>
         </p:spPr>
         <p:txBody>
-          <a:bodyPr/>
-          <a:lstStyle/>
-          <a:p>
-            <a:endParaRPr lang="en-US"/>
+          <a:bodyPr wrap="square" rtlCol="0">
+            <a:spAutoFit/>
+          </a:bodyPr>
+          <a:lstStyle/>
+          <a:p>
+            <a:pPr>
+              <a:buFont typeface="Arial" panose="020B0604020202020204" pitchFamily="34" charset="0"/>
+              <a:buChar char="•"/>
+            </a:pPr>
+            <a:r>
+              <a:rPr lang="en-US" b="1" dirty="0"/>
+              <a:t>Age Distribution in Election Years</a:t>
+            </a:r>
+            <a:r>
+              <a:rPr lang="en-US" dirty="0"/>
+              <a:t>:</a:t>
+            </a:r>
+          </a:p>
+          <a:p>
+            <a:pPr>
+              <a:buFont typeface="Arial" panose="020B0604020202020204" pitchFamily="34" charset="0"/>
+              <a:buChar char="•"/>
+            </a:pPr>
+            <a:r>
+              <a:rPr lang="en-US" b="1" dirty="0"/>
+              <a:t>Median Age</a:t>
+            </a:r>
+            <a:r>
+              <a:rPr lang="en-US" dirty="0"/>
+              <a:t>: Remains consistently between 30 and 40 years across recent election years, showing little variation.</a:t>
+            </a:r>
+          </a:p>
+          <a:p>
+            <a:pPr>
+              <a:buFont typeface="Arial" panose="020B0604020202020204" pitchFamily="34" charset="0"/>
+              <a:buChar char="•"/>
+            </a:pPr>
+            <a:r>
+              <a:rPr lang="en-US" b="1" dirty="0"/>
+              <a:t>Age Distribution</a:t>
+            </a:r>
+            <a:r>
+              <a:rPr lang="en-US" dirty="0"/>
+              <a:t>: Percentages at the extremes of the age spectrum are relatively low, with most values clustering in the middle age range.</a:t>
+            </a:r>
           </a:p>
         </p:txBody>
       </p:sp>
@@ -7179,8 +7260,8 @@
         </p:nvSpPr>
         <p:spPr>
           <a:xfrm>
-            <a:off x="495300" y="1372393"/>
-            <a:ext cx="10515600" cy="1325563"/>
+            <a:off x="495300" y="1248230"/>
+            <a:ext cx="10515600" cy="1132114"/>
           </a:xfrm>
         </p:spPr>
         <p:txBody>
@@ -7190,6 +7271,103 @@
             <a:r>
               <a:rPr lang="en-US" dirty="0"/>
               <a:t>Demographic Analysis (EDA):</a:t>
+            </a:r>
+          </a:p>
+        </p:txBody>
+      </p:sp>
+      <p:pic>
+        <p:nvPicPr>
+          <p:cNvPr id="3" name="Picture 2">
+            <a:extLst>
+              <a:ext uri="{FF2B5EF4-FFF2-40B4-BE49-F238E27FC236}">
+                <a16:creationId xmlns:a16="http://schemas.microsoft.com/office/drawing/2014/main" id="{AD418411-5905-8091-1107-BFCD4A588810}"/>
+              </a:ext>
+            </a:extLst>
+          </p:cNvPr>
+          <p:cNvPicPr>
+            <a:picLocks noChangeAspect="1"/>
+          </p:cNvPicPr>
+          <p:nvPr/>
+        </p:nvPicPr>
+        <p:blipFill>
+          <a:blip r:embed="rId2"/>
+          <a:stretch>
+            <a:fillRect/>
+          </a:stretch>
+        </p:blipFill>
+        <p:spPr>
+          <a:xfrm>
+            <a:off x="726791" y="2039481"/>
+            <a:ext cx="5849461" cy="3945683"/>
+          </a:xfrm>
+          <a:prstGeom prst="rect">
+            <a:avLst/>
+          </a:prstGeom>
+        </p:spPr>
+      </p:pic>
+      <p:sp>
+        <p:nvSpPr>
+          <p:cNvPr id="4" name="TextBox 3">
+            <a:extLst>
+              <a:ext uri="{FF2B5EF4-FFF2-40B4-BE49-F238E27FC236}">
+                <a16:creationId xmlns:a16="http://schemas.microsoft.com/office/drawing/2014/main" id="{344D14DA-A7E9-2092-0A21-DECADE6C6D07}"/>
+              </a:ext>
+            </a:extLst>
+          </p:cNvPr>
+          <p:cNvSpPr txBox="1"/>
+          <p:nvPr/>
+        </p:nvSpPr>
+        <p:spPr>
+          <a:xfrm>
+            <a:off x="6807200" y="2380344"/>
+            <a:ext cx="4847771" cy="2031325"/>
+          </a:xfrm>
+          <a:prstGeom prst="rect">
+            <a:avLst/>
+          </a:prstGeom>
+          <a:noFill/>
+        </p:spPr>
+        <p:txBody>
+          <a:bodyPr wrap="square" rtlCol="0">
+            <a:spAutoFit/>
+          </a:bodyPr>
+          <a:lstStyle/>
+          <a:p>
+            <a:pPr>
+              <a:buFont typeface="Arial" panose="020B0604020202020204" pitchFamily="34" charset="0"/>
+              <a:buChar char="•"/>
+            </a:pPr>
+            <a:r>
+              <a:rPr lang="en-US" b="1" dirty="0"/>
+              <a:t>Racial Distribution in Election Years</a:t>
+            </a:r>
+            <a:r>
+              <a:rPr lang="en-US" dirty="0"/>
+              <a:t>:</a:t>
+            </a:r>
+          </a:p>
+          <a:p>
+            <a:pPr>
+              <a:buFont typeface="Arial" panose="020B0604020202020204" pitchFamily="34" charset="0"/>
+              <a:buChar char="•"/>
+            </a:pPr>
+            <a:r>
+              <a:rPr lang="en-US" dirty="0"/>
+              <a:t> The largest percentage identifies as White, though this has seen a gradual decrease over the years.</a:t>
+            </a:r>
+          </a:p>
+          <a:p>
+            <a:pPr>
+              <a:buFont typeface="Arial" panose="020B0604020202020204" pitchFamily="34" charset="0"/>
+              <a:buChar char="•"/>
+            </a:pPr>
+            <a:r>
+              <a:rPr lang="en-US" b="1" dirty="0"/>
+              <a:t> </a:t>
+            </a:r>
+            <a:r>
+              <a:rPr lang="en-US" dirty="0"/>
+              <a:t>The next consistently higher groups identify as Black/African-American or Hispanic/Latino(any Race).</a:t>
             </a:r>
           </a:p>
         </p:txBody>

--- a/Election_Prediction_Presentation.pptx
+++ b/Election_Prediction_Presentation.pptx
@@ -4078,8 +4078,13 @@
             </a:r>
             <a:r>
               <a:rPr lang="en-US" dirty="0"/>
-              <a:t>: Remains consistently between 30 and 40 years across recent election years, showing little variation.</a:t>
-            </a:r>
+              <a:t>: Remains consistently between 30 and 40 years across recent election years, showing </a:t>
+            </a:r>
+            <a:r>
+              <a:rPr lang="en-US"/>
+              <a:t>gradual growth.</a:t>
+            </a:r>
+            <a:endParaRPr lang="en-US" dirty="0"/>
           </a:p>
           <a:p>
             <a:pPr>
@@ -4097,6 +4102,42 @@
           </a:p>
         </p:txBody>
       </p:sp>
+      <p:pic>
+        <p:nvPicPr>
+          <p:cNvPr id="5" name="Picture 4" descr="A graph with a line going up&#10;&#10;Description automatically generated">
+            <a:extLst>
+              <a:ext uri="{FF2B5EF4-FFF2-40B4-BE49-F238E27FC236}">
+                <a16:creationId xmlns:a16="http://schemas.microsoft.com/office/drawing/2014/main" id="{B13B2F9A-DB17-357C-8B5E-FAB58ED5C264}"/>
+              </a:ext>
+            </a:extLst>
+          </p:cNvPr>
+          <p:cNvPicPr>
+            <a:picLocks noChangeAspect="1"/>
+          </p:cNvPicPr>
+          <p:nvPr/>
+        </p:nvPicPr>
+        <p:blipFill>
+          <a:blip r:embed="rId2">
+            <a:extLst>
+              <a:ext uri="{28A0092B-C50C-407E-A947-70E740481C1C}">
+                <a14:useLocalDpi xmlns:a14="http://schemas.microsoft.com/office/drawing/2010/main" val="0"/>
+              </a:ext>
+            </a:extLst>
+          </a:blip>
+          <a:stretch>
+            <a:fillRect/>
+          </a:stretch>
+        </p:blipFill>
+        <p:spPr>
+          <a:xfrm>
+            <a:off x="5400830" y="1578120"/>
+            <a:ext cx="6270243" cy="3762146"/>
+          </a:xfrm>
+          <a:prstGeom prst="rect">
+            <a:avLst/>
+          </a:prstGeom>
+        </p:spPr>
+      </p:pic>
     </p:spTree>
     <p:extLst>
       <p:ext uri="{BB962C8B-B14F-4D97-AF65-F5344CB8AC3E}">

--- a/Election_Prediction_Presentation.pptx
+++ b/Election_Prediction_Presentation.pptx
@@ -18,15 +18,12 @@
     <p:sldId id="264" r:id="rId12"/>
     <p:sldId id="273" r:id="rId13"/>
     <p:sldId id="268" r:id="rId14"/>
-    <p:sldId id="265" r:id="rId15"/>
-    <p:sldId id="274" r:id="rId16"/>
-    <p:sldId id="266" r:id="rId17"/>
-    <p:sldId id="267" r:id="rId18"/>
-    <p:sldId id="278" r:id="rId19"/>
-    <p:sldId id="277" r:id="rId20"/>
-    <p:sldId id="269" r:id="rId21"/>
-    <p:sldId id="270" r:id="rId22"/>
-    <p:sldId id="276" r:id="rId23"/>
+    <p:sldId id="274" r:id="rId15"/>
+    <p:sldId id="279" r:id="rId16"/>
+    <p:sldId id="278" r:id="rId17"/>
+    <p:sldId id="277" r:id="rId18"/>
+    <p:sldId id="269" r:id="rId19"/>
+    <p:sldId id="270" r:id="rId20"/>
   </p:sldIdLst>
   <p:sldSz cx="12192000" cy="6858000"/>
   <p:notesSz cx="6858000" cy="9144000"/>
@@ -136,7 +133,7 @@
 <file path=ppt/revisionInfo.xml><?xml version="1.0" encoding="utf-8"?>
 <p1510:revInfo xmlns:a="http://schemas.openxmlformats.org/drawingml/2006/main" xmlns:r="http://schemas.openxmlformats.org/officeDocument/2006/relationships" xmlns:p1510="http://schemas.microsoft.com/office/powerpoint/2015/10/main">
   <p1510:revLst>
-    <p1510:client id="{017DBC89-A36F-4FF4-91FC-E6C4E32ABFED}" v="48" dt="2024-09-11T05:40:52.506"/>
+    <p1510:client id="{017DBC89-A36F-4FF4-91FC-E6C4E32ABFED}" v="51" dt="2024-09-13T02:06:21.475"/>
   </p1510:revLst>
 </p1510:revInfo>
 </file>
@@ -146,7 +143,7 @@
   <pc:docChgLst>
     <pc:chgData name="Stephanie Souza" userId="113d1c0a12631a6d" providerId="LiveId" clId="{017DBC89-A36F-4FF4-91FC-E6C4E32ABFED}"/>
     <pc:docChg chg="undo custSel addSld delSld modSld">
-      <pc:chgData name="Stephanie Souza" userId="113d1c0a12631a6d" providerId="LiveId" clId="{017DBC89-A36F-4FF4-91FC-E6C4E32ABFED}" dt="2024-09-11T05:41:12.052" v="2560" actId="122"/>
+      <pc:chgData name="Stephanie Souza" userId="113d1c0a12631a6d" providerId="LiveId" clId="{017DBC89-A36F-4FF4-91FC-E6C4E32ABFED}" dt="2024-09-13T02:07:32.901" v="3830" actId="47"/>
       <pc:docMkLst>
         <pc:docMk/>
       </pc:docMkLst>
@@ -305,7 +302,7 @@
         </pc:picChg>
       </pc:sldChg>
       <pc:sldChg chg="modSp mod">
-        <pc:chgData name="Stephanie Souza" userId="113d1c0a12631a6d" providerId="LiveId" clId="{017DBC89-A36F-4FF4-91FC-E6C4E32ABFED}" dt="2024-09-11T04:16:51.063" v="1279" actId="1076"/>
+        <pc:chgData name="Stephanie Souza" userId="113d1c0a12631a6d" providerId="LiveId" clId="{017DBC89-A36F-4FF4-91FC-E6C4E32ABFED}" dt="2024-09-13T01:29:45.141" v="2574" actId="1076"/>
         <pc:sldMkLst>
           <pc:docMk/>
           <pc:sldMk cId="402251043" sldId="263"/>
@@ -318,9 +315,25 @@
             <ac:spMk id="2" creationId="{FA4F7EC4-8ECE-7D51-2D8F-83404B07B974}"/>
           </ac:spMkLst>
         </pc:spChg>
+        <pc:spChg chg="mod">
+          <ac:chgData name="Stephanie Souza" userId="113d1c0a12631a6d" providerId="LiveId" clId="{017DBC89-A36F-4FF4-91FC-E6C4E32ABFED}" dt="2024-09-13T01:29:45.141" v="2574" actId="1076"/>
+          <ac:spMkLst>
+            <pc:docMk/>
+            <pc:sldMk cId="402251043" sldId="263"/>
+            <ac:spMk id="4" creationId="{344D14DA-A7E9-2092-0A21-DECADE6C6D07}"/>
+          </ac:spMkLst>
+        </pc:spChg>
+        <pc:picChg chg="mod">
+          <ac:chgData name="Stephanie Souza" userId="113d1c0a12631a6d" providerId="LiveId" clId="{017DBC89-A36F-4FF4-91FC-E6C4E32ABFED}" dt="2024-09-13T01:28:38.514" v="2564" actId="1076"/>
+          <ac:picMkLst>
+            <pc:docMk/>
+            <pc:sldMk cId="402251043" sldId="263"/>
+            <ac:picMk id="3" creationId="{AD418411-5905-8091-1107-BFCD4A588810}"/>
+          </ac:picMkLst>
+        </pc:picChg>
       </pc:sldChg>
       <pc:sldChg chg="addSp modSp mod">
-        <pc:chgData name="Stephanie Souza" userId="113d1c0a12631a6d" providerId="LiveId" clId="{017DBC89-A36F-4FF4-91FC-E6C4E32ABFED}" dt="2024-09-11T05:16:04.759" v="2418" actId="20577"/>
+        <pc:chgData name="Stephanie Souza" userId="113d1c0a12631a6d" providerId="LiveId" clId="{017DBC89-A36F-4FF4-91FC-E6C4E32ABFED}" dt="2024-09-13T02:00:41.711" v="3592" actId="14100"/>
         <pc:sldMkLst>
           <pc:docMk/>
           <pc:sldMk cId="2841492917" sldId="264"/>
@@ -334,7 +347,7 @@
           </ac:spMkLst>
         </pc:spChg>
         <pc:spChg chg="add mod">
-          <ac:chgData name="Stephanie Souza" userId="113d1c0a12631a6d" providerId="LiveId" clId="{017DBC89-A36F-4FF4-91FC-E6C4E32ABFED}" dt="2024-09-11T05:16:04.759" v="2418" actId="20577"/>
+          <ac:chgData name="Stephanie Souza" userId="113d1c0a12631a6d" providerId="LiveId" clId="{017DBC89-A36F-4FF4-91FC-E6C4E32ABFED}" dt="2024-09-13T02:00:41.711" v="3592" actId="14100"/>
           <ac:spMkLst>
             <pc:docMk/>
             <pc:sldMk cId="2841492917" sldId="264"/>
@@ -350,8 +363,8 @@
           </ac:picMkLst>
         </pc:picChg>
       </pc:sldChg>
-      <pc:sldChg chg="addSp modSp mod">
-        <pc:chgData name="Stephanie Souza" userId="113d1c0a12631a6d" providerId="LiveId" clId="{017DBC89-A36F-4FF4-91FC-E6C4E32ABFED}" dt="2024-09-11T04:18:14.294" v="1356" actId="20577"/>
+      <pc:sldChg chg="addSp modSp del mod">
+        <pc:chgData name="Stephanie Souza" userId="113d1c0a12631a6d" providerId="LiveId" clId="{017DBC89-A36F-4FF4-91FC-E6C4E32ABFED}" dt="2024-09-13T01:41:23.739" v="2757" actId="47"/>
         <pc:sldMkLst>
           <pc:docMk/>
           <pc:sldMk cId="3164514597" sldId="265"/>
@@ -373,8 +386,8 @@
           </ac:spMkLst>
         </pc:spChg>
       </pc:sldChg>
-      <pc:sldChg chg="addSp modSp mod">
-        <pc:chgData name="Stephanie Souza" userId="113d1c0a12631a6d" providerId="LiveId" clId="{017DBC89-A36F-4FF4-91FC-E6C4E32ABFED}" dt="2024-09-11T04:19:46.086" v="1516" actId="6549"/>
+      <pc:sldChg chg="addSp modSp del mod">
+        <pc:chgData name="Stephanie Souza" userId="113d1c0a12631a6d" providerId="LiveId" clId="{017DBC89-A36F-4FF4-91FC-E6C4E32ABFED}" dt="2024-09-13T02:05:01.114" v="3806" actId="2696"/>
         <pc:sldMkLst>
           <pc:docMk/>
           <pc:sldMk cId="2819704439" sldId="266"/>
@@ -396,8 +409,8 @@
           </ac:spMkLst>
         </pc:spChg>
       </pc:sldChg>
-      <pc:sldChg chg="addSp modSp mod">
-        <pc:chgData name="Stephanie Souza" userId="113d1c0a12631a6d" providerId="LiveId" clId="{017DBC89-A36F-4FF4-91FC-E6C4E32ABFED}" dt="2024-09-11T04:20:49.076" v="1613" actId="20577"/>
+      <pc:sldChg chg="addSp modSp del mod">
+        <pc:chgData name="Stephanie Souza" userId="113d1c0a12631a6d" providerId="LiveId" clId="{017DBC89-A36F-4FF4-91FC-E6C4E32ABFED}" dt="2024-09-13T02:01:47.741" v="3597" actId="47"/>
         <pc:sldMkLst>
           <pc:docMk/>
           <pc:sldMk cId="25876708" sldId="267"/>
@@ -489,18 +502,26 @@
           </ac:spMkLst>
         </pc:spChg>
       </pc:sldChg>
-      <pc:sldChg chg="modSp mod">
-        <pc:chgData name="Stephanie Souza" userId="113d1c0a12631a6d" providerId="LiveId" clId="{017DBC89-A36F-4FF4-91FC-E6C4E32ABFED}" dt="2024-09-11T05:39:16.203" v="2559" actId="20577"/>
+      <pc:sldChg chg="addSp modSp mod">
+        <pc:chgData name="Stephanie Souza" userId="113d1c0a12631a6d" providerId="LiveId" clId="{017DBC89-A36F-4FF4-91FC-E6C4E32ABFED}" dt="2024-09-13T02:04:53.152" v="3805" actId="1076"/>
         <pc:sldMkLst>
           <pc:docMk/>
           <pc:sldMk cId="103146984" sldId="269"/>
         </pc:sldMkLst>
         <pc:spChg chg="mod">
-          <ac:chgData name="Stephanie Souza" userId="113d1c0a12631a6d" providerId="LiveId" clId="{017DBC89-A36F-4FF4-91FC-E6C4E32ABFED}" dt="2024-09-11T05:39:16.203" v="2559" actId="20577"/>
+          <ac:chgData name="Stephanie Souza" userId="113d1c0a12631a6d" providerId="LiveId" clId="{017DBC89-A36F-4FF4-91FC-E6C4E32ABFED}" dt="2024-09-13T02:04:53.152" v="3805" actId="1076"/>
           <ac:spMkLst>
             <pc:docMk/>
             <pc:sldMk cId="103146984" sldId="269"/>
             <ac:spMk id="2" creationId="{FA4F7EC4-8ECE-7D51-2D8F-83404B07B974}"/>
+          </ac:spMkLst>
+        </pc:spChg>
+        <pc:spChg chg="add mod">
+          <ac:chgData name="Stephanie Souza" userId="113d1c0a12631a6d" providerId="LiveId" clId="{017DBC89-A36F-4FF4-91FC-E6C4E32ABFED}" dt="2024-09-13T02:04:50.301" v="3804" actId="1076"/>
+          <ac:spMkLst>
+            <pc:docMk/>
+            <pc:sldMk cId="103146984" sldId="269"/>
+            <ac:spMk id="3" creationId="{C997872F-9AD8-F8CF-8D66-6D12C3D4F10D}"/>
           </ac:spMkLst>
         </pc:spChg>
       </pc:sldChg>
@@ -558,15 +579,31 @@
           </ac:picMkLst>
         </pc:picChg>
       </pc:sldChg>
-      <pc:sldChg chg="add">
-        <pc:chgData name="Stephanie Souza" userId="113d1c0a12631a6d" providerId="LiveId" clId="{017DBC89-A36F-4FF4-91FC-E6C4E32ABFED}" dt="2024-09-11T04:17:06.613" v="1282"/>
+      <pc:sldChg chg="modSp add mod">
+        <pc:chgData name="Stephanie Souza" userId="113d1c0a12631a6d" providerId="LiveId" clId="{017DBC89-A36F-4FF4-91FC-E6C4E32ABFED}" dt="2024-09-13T01:29:33.834" v="2571" actId="20577"/>
         <pc:sldMkLst>
           <pc:docMk/>
           <pc:sldMk cId="3577963808" sldId="272"/>
         </pc:sldMkLst>
+        <pc:spChg chg="mod">
+          <ac:chgData name="Stephanie Souza" userId="113d1c0a12631a6d" providerId="LiveId" clId="{017DBC89-A36F-4FF4-91FC-E6C4E32ABFED}" dt="2024-09-13T01:29:33.834" v="2571" actId="20577"/>
+          <ac:spMkLst>
+            <pc:docMk/>
+            <pc:sldMk cId="3577963808" sldId="272"/>
+            <ac:spMk id="3" creationId="{0626FC26-4BC2-C365-ADE7-DD4B6CA5DF01}"/>
+          </ac:spMkLst>
+        </pc:spChg>
+        <pc:picChg chg="mod">
+          <ac:chgData name="Stephanie Souza" userId="113d1c0a12631a6d" providerId="LiveId" clId="{017DBC89-A36F-4FF4-91FC-E6C4E32ABFED}" dt="2024-09-13T01:29:11.633" v="2566" actId="1076"/>
+          <ac:picMkLst>
+            <pc:docMk/>
+            <pc:sldMk cId="3577963808" sldId="272"/>
+            <ac:picMk id="5" creationId="{B13B2F9A-DB17-357C-8B5E-FAB58ED5C264}"/>
+          </ac:picMkLst>
+        </pc:picChg>
       </pc:sldChg>
       <pc:sldChg chg="addSp delSp modSp add mod">
-        <pc:chgData name="Stephanie Souza" userId="113d1c0a12631a6d" providerId="LiveId" clId="{017DBC89-A36F-4FF4-91FC-E6C4E32ABFED}" dt="2024-09-11T05:17:04.732" v="2432" actId="20577"/>
+        <pc:chgData name="Stephanie Souza" userId="113d1c0a12631a6d" providerId="LiveId" clId="{017DBC89-A36F-4FF4-91FC-E6C4E32ABFED}" dt="2024-09-13T02:01:14.380" v="3596" actId="1076"/>
         <pc:sldMkLst>
           <pc:docMk/>
           <pc:sldMk cId="1207745744" sldId="273"/>
@@ -580,7 +617,7 @@
           </ac:spMkLst>
         </pc:spChg>
         <pc:spChg chg="add mod">
-          <ac:chgData name="Stephanie Souza" userId="113d1c0a12631a6d" providerId="LiveId" clId="{017DBC89-A36F-4FF4-91FC-E6C4E32ABFED}" dt="2024-09-11T05:17:04.732" v="2432" actId="20577"/>
+          <ac:chgData name="Stephanie Souza" userId="113d1c0a12631a6d" providerId="LiveId" clId="{017DBC89-A36F-4FF4-91FC-E6C4E32ABFED}" dt="2024-09-13T02:01:14.380" v="3596" actId="1076"/>
           <ac:spMkLst>
             <pc:docMk/>
             <pc:sldMk cId="1207745744" sldId="273"/>
@@ -597,13 +634,13 @@
         </pc:picChg>
       </pc:sldChg>
       <pc:sldChg chg="modSp add mod">
-        <pc:chgData name="Stephanie Souza" userId="113d1c0a12631a6d" providerId="LiveId" clId="{017DBC89-A36F-4FF4-91FC-E6C4E32ABFED}" dt="2024-09-11T04:18:54.218" v="1458" actId="5793"/>
+        <pc:chgData name="Stephanie Souza" userId="113d1c0a12631a6d" providerId="LiveId" clId="{017DBC89-A36F-4FF4-91FC-E6C4E32ABFED}" dt="2024-09-13T01:51:59.035" v="3078" actId="20577"/>
         <pc:sldMkLst>
           <pc:docMk/>
           <pc:sldMk cId="3185035731" sldId="274"/>
         </pc:sldMkLst>
         <pc:spChg chg="mod">
-          <ac:chgData name="Stephanie Souza" userId="113d1c0a12631a6d" providerId="LiveId" clId="{017DBC89-A36F-4FF4-91FC-E6C4E32ABFED}" dt="2024-09-11T04:18:54.218" v="1458" actId="5793"/>
+          <ac:chgData name="Stephanie Souza" userId="113d1c0a12631a6d" providerId="LiveId" clId="{017DBC89-A36F-4FF4-91FC-E6C4E32ABFED}" dt="2024-09-13T01:51:59.035" v="3078" actId="20577"/>
           <ac:spMkLst>
             <pc:docMk/>
             <pc:sldMk cId="3185035731" sldId="274"/>
@@ -633,8 +670,8 @@
           </ac:spMkLst>
         </pc:spChg>
       </pc:sldChg>
-      <pc:sldChg chg="delSp new mod">
-        <pc:chgData name="Stephanie Souza" userId="113d1c0a12631a6d" providerId="LiveId" clId="{017DBC89-A36F-4FF4-91FC-E6C4E32ABFED}" dt="2024-09-11T05:19:14.418" v="2439" actId="21"/>
+      <pc:sldChg chg="delSp new del mod">
+        <pc:chgData name="Stephanie Souza" userId="113d1c0a12631a6d" providerId="LiveId" clId="{017DBC89-A36F-4FF4-91FC-E6C4E32ABFED}" dt="2024-09-13T02:07:32.901" v="3830" actId="47"/>
         <pc:sldMkLst>
           <pc:docMk/>
           <pc:sldMk cId="2961535824" sldId="276"/>
@@ -656,7 +693,7 @@
         </pc:sldMkLst>
       </pc:sldChg>
       <pc:sldChg chg="addSp delSp modSp add mod">
-        <pc:chgData name="Stephanie Souza" userId="113d1c0a12631a6d" providerId="LiveId" clId="{017DBC89-A36F-4FF4-91FC-E6C4E32ABFED}" dt="2024-09-11T05:38:59.992" v="2538" actId="1076"/>
+        <pc:chgData name="Stephanie Souza" userId="113d1c0a12631a6d" providerId="LiveId" clId="{017DBC89-A36F-4FF4-91FC-E6C4E32ABFED}" dt="2024-09-13T02:06:52.854" v="3829" actId="1076"/>
         <pc:sldMkLst>
           <pc:docMk/>
           <pc:sldMk cId="1657499966" sldId="277"/>
@@ -667,6 +704,14 @@
             <pc:docMk/>
             <pc:sldMk cId="1657499966" sldId="277"/>
             <ac:spMk id="3" creationId="{26506560-B107-E700-41E9-44854C49B49E}"/>
+          </ac:spMkLst>
+        </pc:spChg>
+        <pc:spChg chg="add del mod">
+          <ac:chgData name="Stephanie Souza" userId="113d1c0a12631a6d" providerId="LiveId" clId="{017DBC89-A36F-4FF4-91FC-E6C4E32ABFED}" dt="2024-09-13T02:06:45.782" v="3827" actId="478"/>
+          <ac:spMkLst>
+            <pc:docMk/>
+            <pc:sldMk cId="1657499966" sldId="277"/>
+            <ac:spMk id="3" creationId="{3F3A98C8-3018-82DA-79A1-EEE4CA855E08}"/>
           </ac:spMkLst>
         </pc:spChg>
         <pc:spChg chg="add del mod">
@@ -702,7 +747,7 @@
           </ac:picMkLst>
         </pc:picChg>
         <pc:picChg chg="add mod">
-          <ac:chgData name="Stephanie Souza" userId="113d1c0a12631a6d" providerId="LiveId" clId="{017DBC89-A36F-4FF4-91FC-E6C4E32ABFED}" dt="2024-09-11T05:38:59.992" v="2538" actId="1076"/>
+          <ac:chgData name="Stephanie Souza" userId="113d1c0a12631a6d" providerId="LiveId" clId="{017DBC89-A36F-4FF4-91FC-E6C4E32ABFED}" dt="2024-09-13T02:06:52.854" v="3829" actId="1076"/>
           <ac:picMkLst>
             <pc:docMk/>
             <pc:sldMk cId="1657499966" sldId="277"/>
@@ -716,6 +761,21 @@
           <pc:docMk/>
           <pc:sldMk cId="2430963918" sldId="278"/>
         </pc:sldMkLst>
+      </pc:sldChg>
+      <pc:sldChg chg="modSp add mod">
+        <pc:chgData name="Stephanie Souza" userId="113d1c0a12631a6d" providerId="LiveId" clId="{017DBC89-A36F-4FF4-91FC-E6C4E32ABFED}" dt="2024-09-13T01:58:21.561" v="3569" actId="20577"/>
+        <pc:sldMkLst>
+          <pc:docMk/>
+          <pc:sldMk cId="2669556707" sldId="279"/>
+        </pc:sldMkLst>
+        <pc:spChg chg="mod">
+          <ac:chgData name="Stephanie Souza" userId="113d1c0a12631a6d" providerId="LiveId" clId="{017DBC89-A36F-4FF4-91FC-E6C4E32ABFED}" dt="2024-09-13T01:58:21.561" v="3569" actId="20577"/>
+          <ac:spMkLst>
+            <pc:docMk/>
+            <pc:sldMk cId="2669556707" sldId="279"/>
+            <ac:spMk id="3" creationId="{467F34A2-7521-4613-4E81-6F21D887A3C7}"/>
+          </ac:spMkLst>
+        </pc:spChg>
       </pc:sldChg>
     </pc:docChg>
   </pc:docChgLst>
@@ -869,7 +929,7 @@
           <a:p>
             <a:fld id="{471319CA-78EC-4738-84A9-76031A37FFBE}" type="datetimeFigureOut">
               <a:rPr lang="en-US" smtClean="0"/>
-              <a:t>9/12/24</a:t>
+              <a:t>12-Sep-24</a:t>
             </a:fld>
             <a:endParaRPr lang="en-US"/>
           </a:p>
@@ -1067,7 +1127,7 @@
           <a:p>
             <a:fld id="{471319CA-78EC-4738-84A9-76031A37FFBE}" type="datetimeFigureOut">
               <a:rPr lang="en-US" smtClean="0"/>
-              <a:t>9/12/24</a:t>
+              <a:t>12-Sep-24</a:t>
             </a:fld>
             <a:endParaRPr lang="en-US"/>
           </a:p>
@@ -1275,7 +1335,7 @@
           <a:p>
             <a:fld id="{471319CA-78EC-4738-84A9-76031A37FFBE}" type="datetimeFigureOut">
               <a:rPr lang="en-US" smtClean="0"/>
-              <a:t>9/12/24</a:t>
+              <a:t>12-Sep-24</a:t>
             </a:fld>
             <a:endParaRPr lang="en-US"/>
           </a:p>
@@ -1473,7 +1533,7 @@
           <a:p>
             <a:fld id="{471319CA-78EC-4738-84A9-76031A37FFBE}" type="datetimeFigureOut">
               <a:rPr lang="en-US" smtClean="0"/>
-              <a:t>9/12/24</a:t>
+              <a:t>12-Sep-24</a:t>
             </a:fld>
             <a:endParaRPr lang="en-US"/>
           </a:p>
@@ -1748,7 +1808,7 @@
           <a:p>
             <a:fld id="{471319CA-78EC-4738-84A9-76031A37FFBE}" type="datetimeFigureOut">
               <a:rPr lang="en-US" smtClean="0"/>
-              <a:t>9/12/24</a:t>
+              <a:t>12-Sep-24</a:t>
             </a:fld>
             <a:endParaRPr lang="en-US"/>
           </a:p>
@@ -2013,7 +2073,7 @@
           <a:p>
             <a:fld id="{471319CA-78EC-4738-84A9-76031A37FFBE}" type="datetimeFigureOut">
               <a:rPr lang="en-US" smtClean="0"/>
-              <a:t>9/12/24</a:t>
+              <a:t>12-Sep-24</a:t>
             </a:fld>
             <a:endParaRPr lang="en-US"/>
           </a:p>
@@ -2425,7 +2485,7 @@
           <a:p>
             <a:fld id="{471319CA-78EC-4738-84A9-76031A37FFBE}" type="datetimeFigureOut">
               <a:rPr lang="en-US" smtClean="0"/>
-              <a:t>9/12/24</a:t>
+              <a:t>12-Sep-24</a:t>
             </a:fld>
             <a:endParaRPr lang="en-US"/>
           </a:p>
@@ -2566,7 +2626,7 @@
           <a:p>
             <a:fld id="{471319CA-78EC-4738-84A9-76031A37FFBE}" type="datetimeFigureOut">
               <a:rPr lang="en-US" smtClean="0"/>
-              <a:t>9/12/24</a:t>
+              <a:t>12-Sep-24</a:t>
             </a:fld>
             <a:endParaRPr lang="en-US"/>
           </a:p>
@@ -2679,7 +2739,7 @@
           <a:p>
             <a:fld id="{471319CA-78EC-4738-84A9-76031A37FFBE}" type="datetimeFigureOut">
               <a:rPr lang="en-US" smtClean="0"/>
-              <a:t>9/12/24</a:t>
+              <a:t>12-Sep-24</a:t>
             </a:fld>
             <a:endParaRPr lang="en-US"/>
           </a:p>
@@ -2990,7 +3050,7 @@
           <a:p>
             <a:fld id="{471319CA-78EC-4738-84A9-76031A37FFBE}" type="datetimeFigureOut">
               <a:rPr lang="en-US" smtClean="0"/>
-              <a:t>9/12/24</a:t>
+              <a:t>12-Sep-24</a:t>
             </a:fld>
             <a:endParaRPr lang="en-US"/>
           </a:p>
@@ -3278,7 +3338,7 @@
           <a:p>
             <a:fld id="{471319CA-78EC-4738-84A9-76031A37FFBE}" type="datetimeFigureOut">
               <a:rPr lang="en-US" smtClean="0"/>
-              <a:t>9/12/24</a:t>
+              <a:t>12-Sep-24</a:t>
             </a:fld>
             <a:endParaRPr lang="en-US"/>
           </a:p>
@@ -3529,7 +3589,7 @@
           <a:p>
             <a:fld id="{471319CA-78EC-4738-84A9-76031A37FFBE}" type="datetimeFigureOut">
               <a:rPr lang="en-US" smtClean="0"/>
-              <a:t>9/12/24</a:t>
+              <a:t>12-Sep-24</a:t>
             </a:fld>
             <a:endParaRPr lang="en-US"/>
           </a:p>
@@ -4040,8 +4100,8 @@
         </p:nvSpPr>
         <p:spPr>
           <a:xfrm>
-            <a:off x="888207" y="2274838"/>
-            <a:ext cx="4512623" cy="2308324"/>
+            <a:off x="636593" y="1855973"/>
+            <a:ext cx="4585920" cy="3170099"/>
           </a:xfrm>
           <a:prstGeom prst="rect">
             <a:avLst/>
@@ -4054,17 +4114,30 @@
           </a:bodyPr>
           <a:lstStyle/>
           <a:p>
+            <a:r>
+              <a:rPr lang="en-US" sz="2000" b="1" dirty="0"/>
+              <a:t>Age Distribution in Election Years</a:t>
+            </a:r>
+            <a:r>
+              <a:rPr lang="en-US" sz="2000" dirty="0"/>
+              <a:t>:</a:t>
+            </a:r>
+          </a:p>
+          <a:p>
+            <a:endParaRPr lang="en-US" sz="2000" dirty="0"/>
+          </a:p>
+          <a:p>
             <a:pPr>
               <a:buFont typeface="Arial" panose="020B0604020202020204" pitchFamily="34" charset="0"/>
               <a:buChar char="•"/>
             </a:pPr>
             <a:r>
-              <a:rPr lang="en-US" b="1" dirty="0"/>
-              <a:t>Age Distribution in Election Years</a:t>
-            </a:r>
-            <a:r>
-              <a:rPr lang="en-US" dirty="0"/>
-              <a:t>:</a:t>
+              <a:rPr lang="en-US" sz="2000" b="1" dirty="0"/>
+              <a:t>Median Age</a:t>
+            </a:r>
+            <a:r>
+              <a:rPr lang="en-US" sz="2000" dirty="0"/>
+              <a:t>: Remains consistently between 30 and 40 years across recent election years, showing gradual growth.</a:t>
             </a:r>
           </a:p>
           <a:p>
@@ -4072,19 +4145,7 @@
               <a:buFont typeface="Arial" panose="020B0604020202020204" pitchFamily="34" charset="0"/>
               <a:buChar char="•"/>
             </a:pPr>
-            <a:r>
-              <a:rPr lang="en-US" b="1" dirty="0"/>
-              <a:t>Median Age</a:t>
-            </a:r>
-            <a:r>
-              <a:rPr lang="en-US" dirty="0"/>
-              <a:t>: Remains consistently between 30 and 40 years across recent election years, showing </a:t>
-            </a:r>
-            <a:r>
-              <a:rPr lang="en-US"/>
-              <a:t>gradual growth.</a:t>
-            </a:r>
-            <a:endParaRPr lang="en-US" dirty="0"/>
+            <a:endParaRPr lang="en-US" sz="2000" dirty="0"/>
           </a:p>
           <a:p>
             <a:pPr>
@@ -4092,11 +4153,11 @@
               <a:buChar char="•"/>
             </a:pPr>
             <a:r>
-              <a:rPr lang="en-US" b="1" dirty="0"/>
+              <a:rPr lang="en-US" sz="2000" b="1" dirty="0"/>
               <a:t>Age Distribution</a:t>
             </a:r>
             <a:r>
-              <a:rPr lang="en-US" dirty="0"/>
+              <a:rPr lang="en-US" sz="2000" dirty="0"/>
               <a:t>: Percentages at the extremes of the age spectrum are relatively low, with most values clustering in the middle age range.</a:t>
             </a:r>
           </a:p>
@@ -4130,7 +4191,7 @@
         </p:blipFill>
         <p:spPr>
           <a:xfrm>
-            <a:off x="5400830" y="1578120"/>
+            <a:off x="5400830" y="1448791"/>
             <a:ext cx="6270243" cy="3762146"/>
           </a:xfrm>
           <a:prstGeom prst="rect">
@@ -4251,8 +4312,8 @@
         </p:nvSpPr>
         <p:spPr>
           <a:xfrm flipH="1">
-            <a:off x="311188" y="2195580"/>
-            <a:ext cx="3853618" cy="2246769"/>
+            <a:off x="324663" y="2476500"/>
+            <a:ext cx="3853618" cy="3170099"/>
           </a:xfrm>
           <a:prstGeom prst="rect">
             <a:avLst/>
@@ -4271,21 +4332,11 @@
             </a:pPr>
             <a:r>
               <a:rPr lang="en-US" sz="2000" dirty="0"/>
-              <a:t>Insight #1</a:t>
-            </a:r>
-          </a:p>
-          <a:p>
-            <a:pPr marL="800100" lvl="1" indent="-342900">
-              <a:buFont typeface="Arial" panose="020B0604020202020204" pitchFamily="34" charset="0"/>
-              <a:buChar char="•"/>
-            </a:pPr>
-            <a:r>
-              <a:rPr lang="en-US" sz="2000" dirty="0"/>
-              <a:t>Details/Suggestions</a:t>
-            </a:r>
-          </a:p>
-          <a:p>
-            <a:pPr marL="800100" lvl="1" indent="-342900">
+              <a:t>Analysis on economic indicators like GDP, personal income, and employment changed from 2008 to 2020.</a:t>
+            </a:r>
+          </a:p>
+          <a:p>
+            <a:pPr marL="342900" indent="-342900">
               <a:buFont typeface="Arial" panose="020B0604020202020204" pitchFamily="34" charset="0"/>
               <a:buChar char="•"/>
             </a:pPr>
@@ -4298,24 +4349,10 @@
             </a:pPr>
             <a:r>
               <a:rPr lang="en-US" sz="2000" dirty="0"/>
-              <a:t>Insight #2</a:t>
-            </a:r>
-          </a:p>
-          <a:p>
-            <a:pPr marL="800100" lvl="1" indent="-342900">
-              <a:buFont typeface="Arial" panose="020B0604020202020204" pitchFamily="34" charset="0"/>
-              <a:buChar char="•"/>
-            </a:pPr>
-            <a:r>
-              <a:rPr lang="en-US" sz="2000" dirty="0"/>
-              <a:t>Details/Suggestions</a:t>
-            </a:r>
-          </a:p>
-          <a:p>
-            <a:pPr marL="342900" indent="-342900">
-              <a:buFont typeface="Arial" panose="020B0604020202020204" pitchFamily="34" charset="0"/>
-              <a:buChar char="•"/>
-            </a:pPr>
+              <a:t>You can observe any economic growth or decline in specific states.</a:t>
+            </a:r>
+          </a:p>
+          <a:p>
             <a:endParaRPr lang="en-US" sz="2000" dirty="0"/>
           </a:p>
           <a:p>
@@ -4407,8 +4444,8 @@
         </p:nvSpPr>
         <p:spPr>
           <a:xfrm flipH="1">
-            <a:off x="289756" y="1766955"/>
-            <a:ext cx="3024944" cy="2862322"/>
+            <a:off x="216693" y="1951062"/>
+            <a:ext cx="3024944" cy="3170099"/>
           </a:xfrm>
           <a:prstGeom prst="rect">
             <a:avLst/>
@@ -4427,64 +4464,7 @@
             </a:pPr>
             <a:r>
               <a:rPr lang="en-US" sz="2000" dirty="0"/>
-              <a:t>Insight #1</a:t>
-            </a:r>
-          </a:p>
-          <a:p>
-            <a:pPr marL="800100" lvl="1" indent="-342900">
-              <a:buFont typeface="Arial" panose="020B0604020202020204" pitchFamily="34" charset="0"/>
-              <a:buChar char="•"/>
-            </a:pPr>
-            <a:r>
-              <a:rPr lang="en-US" sz="2000" dirty="0"/>
-              <a:t>Details</a:t>
-            </a:r>
-          </a:p>
-          <a:p>
-            <a:pPr marL="800100" lvl="1" indent="-342900">
-              <a:buFont typeface="Arial" panose="020B0604020202020204" pitchFamily="34" charset="0"/>
-              <a:buChar char="•"/>
-            </a:pPr>
-            <a:r>
-              <a:rPr lang="en-US" sz="2000" dirty="0"/>
-              <a:t>Suggestions</a:t>
-            </a:r>
-          </a:p>
-          <a:p>
-            <a:pPr marL="800100" lvl="1" indent="-342900">
-              <a:buFont typeface="Arial" panose="020B0604020202020204" pitchFamily="34" charset="0"/>
-              <a:buChar char="•"/>
-            </a:pPr>
-            <a:endParaRPr lang="en-US" sz="2000" dirty="0"/>
-          </a:p>
-          <a:p>
-            <a:pPr marL="342900" indent="-342900">
-              <a:buFont typeface="Arial" panose="020B0604020202020204" pitchFamily="34" charset="0"/>
-              <a:buChar char="•"/>
-            </a:pPr>
-            <a:r>
-              <a:rPr lang="en-US" sz="2000" dirty="0"/>
-              <a:t>Insight #2</a:t>
-            </a:r>
-          </a:p>
-          <a:p>
-            <a:pPr marL="800100" lvl="1" indent="-342900">
-              <a:buFont typeface="Arial" panose="020B0604020202020204" pitchFamily="34" charset="0"/>
-              <a:buChar char="•"/>
-            </a:pPr>
-            <a:r>
-              <a:rPr lang="en-US" sz="2000" dirty="0"/>
-              <a:t>Details</a:t>
-            </a:r>
-          </a:p>
-          <a:p>
-            <a:pPr marL="800100" lvl="1" indent="-342900">
-              <a:buFont typeface="Arial" panose="020B0604020202020204" pitchFamily="34" charset="0"/>
-              <a:buChar char="•"/>
-            </a:pPr>
-            <a:r>
-              <a:rPr lang="en-US" sz="2000" dirty="0"/>
-              <a:t>Suggestions</a:t>
+              <a:t>Analysis on states with higher GDP tend to vote in elections. </a:t>
             </a:r>
           </a:p>
           <a:p>
@@ -4493,6 +4473,16 @@
               <a:buChar char="•"/>
             </a:pPr>
             <a:endParaRPr lang="en-US" sz="2000" dirty="0"/>
+          </a:p>
+          <a:p>
+            <a:pPr marL="342900" indent="-342900">
+              <a:buFont typeface="Arial" panose="020B0604020202020204" pitchFamily="34" charset="0"/>
+              <a:buChar char="•"/>
+            </a:pPr>
+            <a:r>
+              <a:rPr lang="en-US" sz="2000" dirty="0"/>
+              <a:t>We can check whether wealthier states lean towards certain candidates or political parties. </a:t>
+            </a:r>
           </a:p>
           <a:p>
             <a:pPr marL="342900" indent="-342900">
@@ -4759,8 +4749,8 @@
         </p:nvSpPr>
         <p:spPr>
           <a:xfrm flipH="1">
-            <a:off x="502441" y="2386013"/>
-            <a:ext cx="11420477" cy="646331"/>
+            <a:off x="502441" y="2502614"/>
+            <a:ext cx="11420477" cy="2308324"/>
           </a:xfrm>
           <a:prstGeom prst="rect">
             <a:avLst/>
@@ -4775,22 +4765,67 @@
           <a:p>
             <a:r>
               <a:rPr lang="en-US" b="1" dirty="0"/>
-              <a:t>Describe final model here</a:t>
-            </a:r>
-          </a:p>
-          <a:p>
+              <a:t>Model 1: Linear Regression</a:t>
+            </a:r>
+          </a:p>
+          <a:p>
+            <a:pPr marL="742950" lvl="1" indent="-285750">
+              <a:buFont typeface="Arial" panose="020B0604020202020204" pitchFamily="34" charset="0"/>
+              <a:buChar char="•"/>
+            </a:pPr>
             <a:r>
               <a:rPr lang="en-US" b="1" dirty="0"/>
-              <a:t>Include screenshot</a:t>
-            </a:r>
-            <a:endParaRPr lang="en-US" dirty="0"/>
+              <a:t>Pros – Simple, Useful with 2 option results – clearly defined, Clear discrimination between data</a:t>
+            </a:r>
+          </a:p>
+          <a:p>
+            <a:pPr marL="742950" lvl="1" indent="-285750">
+              <a:buFont typeface="Arial" panose="020B0604020202020204" pitchFamily="34" charset="0"/>
+              <a:buChar char="•"/>
+            </a:pPr>
+            <a:r>
+              <a:rPr lang="en-US" b="1" dirty="0"/>
+              <a:t>Cons – Requires significant data cleaning and preparation, Less flexible interpretations</a:t>
+            </a:r>
+          </a:p>
+          <a:p>
+            <a:endParaRPr lang="en-US" b="1" dirty="0"/>
+          </a:p>
+          <a:p>
+            <a:r>
+              <a:rPr lang="en-US" b="1" dirty="0"/>
+              <a:t>Model 2: TensorFlow</a:t>
+            </a:r>
+          </a:p>
+          <a:p>
+            <a:pPr marL="742950" lvl="1" indent="-285750">
+              <a:buFont typeface="Arial" panose="020B0604020202020204" pitchFamily="34" charset="0"/>
+              <a:buChar char="•"/>
+            </a:pPr>
+            <a:r>
+              <a:rPr lang="en-US" b="1" dirty="0"/>
+              <a:t>Pros – 100% predicative accuracy</a:t>
+            </a:r>
+          </a:p>
+          <a:p>
+            <a:pPr marL="742950" lvl="1" indent="-285750">
+              <a:buFont typeface="Arial" panose="020B0604020202020204" pitchFamily="34" charset="0"/>
+              <a:buChar char="•"/>
+            </a:pPr>
+            <a:r>
+              <a:rPr lang="en-US" b="1" dirty="0"/>
+              <a:t>Cons – Doesn’t manage Null values well</a:t>
+            </a:r>
+          </a:p>
+          <a:p>
+            <a:endParaRPr lang="en-US" b="1" dirty="0"/>
           </a:p>
         </p:txBody>
       </p:sp>
     </p:spTree>
     <p:extLst>
       <p:ext uri="{BB962C8B-B14F-4D97-AF65-F5344CB8AC3E}">
-        <p14:creationId xmlns:p14="http://schemas.microsoft.com/office/powerpoint/2010/main" val="3164514597"/>
+        <p14:creationId xmlns:p14="http://schemas.microsoft.com/office/powerpoint/2010/main" val="3185035731"/>
       </p:ext>
     </p:extLst>
   </p:cSld>
@@ -4865,7 +4900,7 @@
         <p:spPr>
           <a:xfrm flipH="1">
             <a:off x="502441" y="2386013"/>
-            <a:ext cx="11420477" cy="369332"/>
+            <a:ext cx="11420477" cy="2031325"/>
           </a:xfrm>
           <a:prstGeom prst="rect">
             <a:avLst/>
@@ -4880,7 +4915,56 @@
           <a:p>
             <a:r>
               <a:rPr lang="en-US" b="1" dirty="0"/>
-              <a:t>Quick list of other model options tried, and explain why not used.</a:t>
+              <a:t>Model 3: Random Forest</a:t>
+            </a:r>
+          </a:p>
+          <a:p>
+            <a:pPr marL="742950" lvl="1" indent="-285750">
+              <a:buFont typeface="Arial" panose="020B0604020202020204" pitchFamily="34" charset="0"/>
+              <a:buChar char="•"/>
+            </a:pPr>
+            <a:r>
+              <a:rPr lang="en-US" b="1" dirty="0"/>
+              <a:t>Pros – 100% predictive accuracy</a:t>
+            </a:r>
+          </a:p>
+          <a:p>
+            <a:pPr marL="742950" lvl="1" indent="-285750">
+              <a:buFont typeface="Arial" panose="020B0604020202020204" pitchFamily="34" charset="0"/>
+              <a:buChar char="•"/>
+            </a:pPr>
+            <a:r>
+              <a:rPr lang="en-US" b="1" dirty="0"/>
+              <a:t>Cons – Significant data preparation, Optimization challenges, Low trust in result</a:t>
+            </a:r>
+          </a:p>
+          <a:p>
+            <a:endParaRPr lang="en-US" b="1" dirty="0"/>
+          </a:p>
+          <a:p>
+            <a:r>
+              <a:rPr lang="en-US" b="1" dirty="0"/>
+              <a:t>Model 4: Decision Tree </a:t>
+            </a:r>
+          </a:p>
+          <a:p>
+            <a:pPr marL="742950" lvl="1" indent="-285750">
+              <a:buFont typeface="Arial" panose="020B0604020202020204" pitchFamily="34" charset="0"/>
+              <a:buChar char="•"/>
+            </a:pPr>
+            <a:r>
+              <a:rPr lang="en-US" b="1" dirty="0"/>
+              <a:t>Pros – Highlights importance of individual features, Handles diverse data better</a:t>
+            </a:r>
+          </a:p>
+          <a:p>
+            <a:pPr marL="742950" lvl="1" indent="-285750">
+              <a:buFont typeface="Arial" panose="020B0604020202020204" pitchFamily="34" charset="0"/>
+              <a:buChar char="•"/>
+            </a:pPr>
+            <a:r>
+              <a:rPr lang="en-US" b="1" dirty="0"/>
+              <a:t>Cons – Challenges with unbalanced data (significant difference in our datasets), Feature bias</a:t>
             </a:r>
             <a:endParaRPr lang="en-US" dirty="0"/>
           </a:p>
@@ -4889,7 +4973,7 @@
     </p:spTree>
     <p:extLst>
       <p:ext uri="{BB962C8B-B14F-4D97-AF65-F5344CB8AC3E}">
-        <p14:creationId xmlns:p14="http://schemas.microsoft.com/office/powerpoint/2010/main" val="3185035731"/>
+        <p14:creationId xmlns:p14="http://schemas.microsoft.com/office/powerpoint/2010/main" val="2669556707"/>
       </p:ext>
     </p:extLst>
   </p:cSld>
@@ -4900,212 +4984,6 @@
 </file>
 
 <file path=ppt/slides/slide16.xml><?xml version="1.0" encoding="utf-8"?>
-<p:sld xmlns:a="http://schemas.openxmlformats.org/drawingml/2006/main" xmlns:r="http://schemas.openxmlformats.org/officeDocument/2006/relationships" xmlns:p="http://schemas.openxmlformats.org/presentationml/2006/main">
-  <p:cSld>
-    <p:spTree>
-      <p:nvGrpSpPr>
-        <p:cNvPr id="1" name=""/>
-        <p:cNvGrpSpPr/>
-        <p:nvPr/>
-      </p:nvGrpSpPr>
-      <p:grpSpPr>
-        <a:xfrm>
-          <a:off x="0" y="0"/>
-          <a:ext cx="0" cy="0"/>
-          <a:chOff x="0" y="0"/>
-          <a:chExt cx="0" cy="0"/>
-        </a:xfrm>
-      </p:grpSpPr>
-      <p:sp>
-        <p:nvSpPr>
-          <p:cNvPr id="2" name="Title 1">
-            <a:extLst>
-              <a:ext uri="{FF2B5EF4-FFF2-40B4-BE49-F238E27FC236}">
-                <a16:creationId xmlns:a16="http://schemas.microsoft.com/office/drawing/2014/main" id="{FA4F7EC4-8ECE-7D51-2D8F-83404B07B974}"/>
-              </a:ext>
-            </a:extLst>
-          </p:cNvPr>
-          <p:cNvSpPr>
-            <a:spLocks noGrp="1"/>
-          </p:cNvSpPr>
-          <p:nvPr>
-            <p:ph type="title"/>
-          </p:nvPr>
-        </p:nvSpPr>
-        <p:spPr>
-          <a:xfrm>
-            <a:off x="502443" y="1350962"/>
-            <a:ext cx="10515600" cy="1325563"/>
-          </a:xfrm>
-        </p:spPr>
-        <p:txBody>
-          <a:bodyPr/>
-          <a:lstStyle/>
-          <a:p>
-            <a:r>
-              <a:rPr lang="en-US" dirty="0"/>
-              <a:t>Model Optimization:</a:t>
-            </a:r>
-          </a:p>
-        </p:txBody>
-      </p:sp>
-      <p:sp>
-        <p:nvSpPr>
-          <p:cNvPr id="3" name="TextBox 2">
-            <a:extLst>
-              <a:ext uri="{FF2B5EF4-FFF2-40B4-BE49-F238E27FC236}">
-                <a16:creationId xmlns:a16="http://schemas.microsoft.com/office/drawing/2014/main" id="{A461D623-2D3B-E2F3-F07D-FE8868EC34C0}"/>
-              </a:ext>
-            </a:extLst>
-          </p:cNvPr>
-          <p:cNvSpPr txBox="1"/>
-          <p:nvPr/>
-        </p:nvSpPr>
-        <p:spPr>
-          <a:xfrm flipH="1">
-            <a:off x="502441" y="2386013"/>
-            <a:ext cx="11420477" cy="646331"/>
-          </a:xfrm>
-          <a:prstGeom prst="rect">
-            <a:avLst/>
-          </a:prstGeom>
-          <a:noFill/>
-        </p:spPr>
-        <p:txBody>
-          <a:bodyPr wrap="square" rtlCol="0">
-            <a:spAutoFit/>
-          </a:bodyPr>
-          <a:lstStyle/>
-          <a:p>
-            <a:r>
-              <a:rPr lang="en-US" b="1" dirty="0"/>
-              <a:t>Describe iterations to get to final model</a:t>
-            </a:r>
-          </a:p>
-          <a:p>
-            <a:r>
-              <a:rPr lang="en-US" b="1" dirty="0"/>
-              <a:t>Include screenshot</a:t>
-            </a:r>
-            <a:endParaRPr lang="en-US" dirty="0"/>
-          </a:p>
-        </p:txBody>
-      </p:sp>
-    </p:spTree>
-    <p:extLst>
-      <p:ext uri="{BB962C8B-B14F-4D97-AF65-F5344CB8AC3E}">
-        <p14:creationId xmlns:p14="http://schemas.microsoft.com/office/powerpoint/2010/main" val="2819704439"/>
-      </p:ext>
-    </p:extLst>
-  </p:cSld>
-  <p:clrMapOvr>
-    <a:masterClrMapping/>
-  </p:clrMapOvr>
-</p:sld>
-</file>
-
-<file path=ppt/slides/slide17.xml><?xml version="1.0" encoding="utf-8"?>
-<p:sld xmlns:a="http://schemas.openxmlformats.org/drawingml/2006/main" xmlns:r="http://schemas.openxmlformats.org/officeDocument/2006/relationships" xmlns:p="http://schemas.openxmlformats.org/presentationml/2006/main">
-  <p:cSld>
-    <p:spTree>
-      <p:nvGrpSpPr>
-        <p:cNvPr id="1" name=""/>
-        <p:cNvGrpSpPr/>
-        <p:nvPr/>
-      </p:nvGrpSpPr>
-      <p:grpSpPr>
-        <a:xfrm>
-          <a:off x="0" y="0"/>
-          <a:ext cx="0" cy="0"/>
-          <a:chOff x="0" y="0"/>
-          <a:chExt cx="0" cy="0"/>
-        </a:xfrm>
-      </p:grpSpPr>
-      <p:sp>
-        <p:nvSpPr>
-          <p:cNvPr id="2" name="Title 1">
-            <a:extLst>
-              <a:ext uri="{FF2B5EF4-FFF2-40B4-BE49-F238E27FC236}">
-                <a16:creationId xmlns:a16="http://schemas.microsoft.com/office/drawing/2014/main" id="{FA4F7EC4-8ECE-7D51-2D8F-83404B07B974}"/>
-              </a:ext>
-            </a:extLst>
-          </p:cNvPr>
-          <p:cNvSpPr>
-            <a:spLocks noGrp="1"/>
-          </p:cNvSpPr>
-          <p:nvPr>
-            <p:ph type="title"/>
-          </p:nvPr>
-        </p:nvSpPr>
-        <p:spPr>
-          <a:xfrm>
-            <a:off x="559593" y="1300956"/>
-            <a:ext cx="10515600" cy="1325563"/>
-          </a:xfrm>
-        </p:spPr>
-        <p:txBody>
-          <a:bodyPr/>
-          <a:lstStyle/>
-          <a:p>
-            <a:r>
-              <a:rPr lang="en-US" dirty="0"/>
-              <a:t>Model Insights:</a:t>
-            </a:r>
-          </a:p>
-        </p:txBody>
-      </p:sp>
-      <p:sp>
-        <p:nvSpPr>
-          <p:cNvPr id="3" name="TextBox 2">
-            <a:extLst>
-              <a:ext uri="{FF2B5EF4-FFF2-40B4-BE49-F238E27FC236}">
-                <a16:creationId xmlns:a16="http://schemas.microsoft.com/office/drawing/2014/main" id="{A5656FD2-1306-B903-1B3A-B5D06D0B49CA}"/>
-              </a:ext>
-            </a:extLst>
-          </p:cNvPr>
-          <p:cNvSpPr txBox="1"/>
-          <p:nvPr/>
-        </p:nvSpPr>
-        <p:spPr>
-          <a:xfrm flipH="1">
-            <a:off x="502441" y="2386013"/>
-            <a:ext cx="11420477" cy="646331"/>
-          </a:xfrm>
-          <a:prstGeom prst="rect">
-            <a:avLst/>
-          </a:prstGeom>
-          <a:noFill/>
-        </p:spPr>
-        <p:txBody>
-          <a:bodyPr wrap="square" rtlCol="0">
-            <a:spAutoFit/>
-          </a:bodyPr>
-          <a:lstStyle/>
-          <a:p>
-            <a:r>
-              <a:rPr lang="en-US" b="1" dirty="0"/>
-              <a:t>If possible, explain which features exerted most influence on predictions</a:t>
-            </a:r>
-          </a:p>
-          <a:p>
-            <a:endParaRPr lang="en-US" dirty="0"/>
-          </a:p>
-        </p:txBody>
-      </p:sp>
-    </p:spTree>
-    <p:extLst>
-      <p:ext uri="{BB962C8B-B14F-4D97-AF65-F5344CB8AC3E}">
-        <p14:creationId xmlns:p14="http://schemas.microsoft.com/office/powerpoint/2010/main" val="25876708"/>
-      </p:ext>
-    </p:extLst>
-  </p:cSld>
-  <p:clrMapOvr>
-    <a:masterClrMapping/>
-  </p:clrMapOvr>
-</p:sld>
-</file>
-
-<file path=ppt/slides/slide18.xml><?xml version="1.0" encoding="utf-8"?>
 <p:sld xmlns:a="http://schemas.openxmlformats.org/drawingml/2006/main" xmlns:r="http://schemas.openxmlformats.org/officeDocument/2006/relationships" xmlns:p="http://schemas.openxmlformats.org/presentationml/2006/main">
   <p:cSld>
     <p:spTree>
@@ -5236,7 +5114,7 @@
 </p:sld>
 </file>
 
-<file path=ppt/slides/slide19.xml><?xml version="1.0" encoding="utf-8"?>
+<file path=ppt/slides/slide17.xml><?xml version="1.0" encoding="utf-8"?>
 <p:sld xmlns:a="http://schemas.openxmlformats.org/drawingml/2006/main" xmlns:r="http://schemas.openxmlformats.org/officeDocument/2006/relationships" xmlns:p="http://schemas.openxmlformats.org/presentationml/2006/main">
   <p:cSld>
     <p:spTree>
@@ -5382,8 +5260,8 @@
         </p:blipFill>
         <p:spPr>
           <a:xfrm>
-            <a:off x="6943726" y="2568365"/>
-            <a:ext cx="2773514" cy="2773514"/>
+            <a:off x="2530375" y="3043170"/>
+            <a:ext cx="1976766" cy="1976766"/>
           </a:xfrm>
           <a:prstGeom prst="rect">
             <a:avLst/>
@@ -5394,6 +5272,187 @@
     <p:extLst>
       <p:ext uri="{BB962C8B-B14F-4D97-AF65-F5344CB8AC3E}">
         <p14:creationId xmlns:p14="http://schemas.microsoft.com/office/powerpoint/2010/main" val="1657499966"/>
+      </p:ext>
+    </p:extLst>
+  </p:cSld>
+  <p:clrMapOvr>
+    <a:masterClrMapping/>
+  </p:clrMapOvr>
+</p:sld>
+</file>
+
+<file path=ppt/slides/slide18.xml><?xml version="1.0" encoding="utf-8"?>
+<p:sld xmlns:a="http://schemas.openxmlformats.org/drawingml/2006/main" xmlns:r="http://schemas.openxmlformats.org/officeDocument/2006/relationships" xmlns:p="http://schemas.openxmlformats.org/presentationml/2006/main">
+  <p:cSld>
+    <p:spTree>
+      <p:nvGrpSpPr>
+        <p:cNvPr id="1" name=""/>
+        <p:cNvGrpSpPr/>
+        <p:nvPr/>
+      </p:nvGrpSpPr>
+      <p:grpSpPr>
+        <a:xfrm>
+          <a:off x="0" y="0"/>
+          <a:ext cx="0" cy="0"/>
+          <a:chOff x="0" y="0"/>
+          <a:chExt cx="0" cy="0"/>
+        </a:xfrm>
+      </p:grpSpPr>
+      <p:sp>
+        <p:nvSpPr>
+          <p:cNvPr id="2" name="Title 1">
+            <a:extLst>
+              <a:ext uri="{FF2B5EF4-FFF2-40B4-BE49-F238E27FC236}">
+                <a16:creationId xmlns:a16="http://schemas.microsoft.com/office/drawing/2014/main" id="{FA4F7EC4-8ECE-7D51-2D8F-83404B07B974}"/>
+              </a:ext>
+            </a:extLst>
+          </p:cNvPr>
+          <p:cNvSpPr>
+            <a:spLocks noGrp="1"/>
+          </p:cNvSpPr>
+          <p:nvPr>
+            <p:ph type="title"/>
+          </p:nvPr>
+        </p:nvSpPr>
+        <p:spPr>
+          <a:xfrm>
+            <a:off x="512607" y="1441717"/>
+            <a:ext cx="10515600" cy="1325563"/>
+          </a:xfrm>
+        </p:spPr>
+        <p:txBody>
+          <a:bodyPr/>
+          <a:lstStyle/>
+          <a:p>
+            <a:r>
+              <a:rPr lang="en-US" dirty="0"/>
+              <a:t>Next Steps, if we had more time….</a:t>
+            </a:r>
+          </a:p>
+        </p:txBody>
+      </p:sp>
+      <p:sp>
+        <p:nvSpPr>
+          <p:cNvPr id="3" name="TextBox 2">
+            <a:extLst>
+              <a:ext uri="{FF2B5EF4-FFF2-40B4-BE49-F238E27FC236}">
+                <a16:creationId xmlns:a16="http://schemas.microsoft.com/office/drawing/2014/main" id="{C997872F-9AD8-F8CF-8D66-6D12C3D4F10D}"/>
+              </a:ext>
+            </a:extLst>
+          </p:cNvPr>
+          <p:cNvSpPr txBox="1"/>
+          <p:nvPr/>
+        </p:nvSpPr>
+        <p:spPr>
+          <a:xfrm flipH="1">
+            <a:off x="459482" y="2767280"/>
+            <a:ext cx="11420477" cy="1323439"/>
+          </a:xfrm>
+          <a:prstGeom prst="rect">
+            <a:avLst/>
+          </a:prstGeom>
+          <a:noFill/>
+        </p:spPr>
+        <p:txBody>
+          <a:bodyPr wrap="square" rtlCol="0">
+            <a:spAutoFit/>
+          </a:bodyPr>
+          <a:lstStyle/>
+          <a:p>
+            <a:pPr marL="342900" indent="-342900">
+              <a:buAutoNum type="arabicPeriod"/>
+            </a:pPr>
+            <a:r>
+              <a:rPr lang="en-US" sz="2000" b="1" dirty="0"/>
+              <a:t>Source Data – find data for all topics for all years</a:t>
+            </a:r>
+          </a:p>
+          <a:p>
+            <a:pPr marL="342900" indent="-342900">
+              <a:buAutoNum type="arabicPeriod"/>
+            </a:pPr>
+            <a:endParaRPr lang="en-US" sz="2000" b="1" dirty="0"/>
+          </a:p>
+          <a:p>
+            <a:pPr marL="342900" indent="-342900">
+              <a:buAutoNum type="arabicPeriod"/>
+            </a:pPr>
+            <a:r>
+              <a:rPr lang="en-US" sz="2000" b="1" dirty="0"/>
+              <a:t>Model Optimization – explore other methods (i.e. ensemble method) and adjust features in dataset</a:t>
+            </a:r>
+          </a:p>
+        </p:txBody>
+      </p:sp>
+    </p:spTree>
+    <p:extLst>
+      <p:ext uri="{BB962C8B-B14F-4D97-AF65-F5344CB8AC3E}">
+        <p14:creationId xmlns:p14="http://schemas.microsoft.com/office/powerpoint/2010/main" val="103146984"/>
+      </p:ext>
+    </p:extLst>
+  </p:cSld>
+  <p:clrMapOvr>
+    <a:masterClrMapping/>
+  </p:clrMapOvr>
+</p:sld>
+</file>
+
+<file path=ppt/slides/slide19.xml><?xml version="1.0" encoding="utf-8"?>
+<p:sld xmlns:a="http://schemas.openxmlformats.org/drawingml/2006/main" xmlns:r="http://schemas.openxmlformats.org/officeDocument/2006/relationships" xmlns:p="http://schemas.openxmlformats.org/presentationml/2006/main">
+  <p:cSld>
+    <p:spTree>
+      <p:nvGrpSpPr>
+        <p:cNvPr id="1" name=""/>
+        <p:cNvGrpSpPr/>
+        <p:nvPr/>
+      </p:nvGrpSpPr>
+      <p:grpSpPr>
+        <a:xfrm>
+          <a:off x="0" y="0"/>
+          <a:ext cx="0" cy="0"/>
+          <a:chOff x="0" y="0"/>
+          <a:chExt cx="0" cy="0"/>
+        </a:xfrm>
+      </p:grpSpPr>
+      <p:sp>
+        <p:nvSpPr>
+          <p:cNvPr id="2" name="Title 1">
+            <a:extLst>
+              <a:ext uri="{FF2B5EF4-FFF2-40B4-BE49-F238E27FC236}">
+                <a16:creationId xmlns:a16="http://schemas.microsoft.com/office/drawing/2014/main" id="{FA4F7EC4-8ECE-7D51-2D8F-83404B07B974}"/>
+              </a:ext>
+            </a:extLst>
+          </p:cNvPr>
+          <p:cNvSpPr>
+            <a:spLocks noGrp="1"/>
+          </p:cNvSpPr>
+          <p:nvPr>
+            <p:ph type="title"/>
+          </p:nvPr>
+        </p:nvSpPr>
+        <p:spPr>
+          <a:xfrm>
+            <a:off x="2846784" y="2922587"/>
+            <a:ext cx="6498432" cy="1325563"/>
+          </a:xfrm>
+        </p:spPr>
+        <p:txBody>
+          <a:bodyPr>
+            <a:normAutofit/>
+          </a:bodyPr>
+          <a:lstStyle/>
+          <a:p>
+            <a:r>
+              <a:rPr lang="en-US" sz="8800" dirty="0"/>
+              <a:t>Questions?</a:t>
+            </a:r>
+          </a:p>
+        </p:txBody>
+      </p:sp>
+    </p:spTree>
+    <p:extLst>
+      <p:ext uri="{BB962C8B-B14F-4D97-AF65-F5344CB8AC3E}">
+        <p14:creationId xmlns:p14="http://schemas.microsoft.com/office/powerpoint/2010/main" val="3411656873"/>
       </p:ext>
     </p:extLst>
   </p:cSld>
@@ -5547,189 +5606,6 @@
     <p:extLst>
       <p:ext uri="{BB962C8B-B14F-4D97-AF65-F5344CB8AC3E}">
         <p14:creationId xmlns:p14="http://schemas.microsoft.com/office/powerpoint/2010/main" val="1365750659"/>
-      </p:ext>
-    </p:extLst>
-  </p:cSld>
-  <p:clrMapOvr>
-    <a:masterClrMapping/>
-  </p:clrMapOvr>
-</p:sld>
-</file>
-
-<file path=ppt/slides/slide20.xml><?xml version="1.0" encoding="utf-8"?>
-<p:sld xmlns:a="http://schemas.openxmlformats.org/drawingml/2006/main" xmlns:r="http://schemas.openxmlformats.org/officeDocument/2006/relationships" xmlns:p="http://schemas.openxmlformats.org/presentationml/2006/main">
-  <p:cSld>
-    <p:spTree>
-      <p:nvGrpSpPr>
-        <p:cNvPr id="1" name=""/>
-        <p:cNvGrpSpPr/>
-        <p:nvPr/>
-      </p:nvGrpSpPr>
-      <p:grpSpPr>
-        <a:xfrm>
-          <a:off x="0" y="0"/>
-          <a:ext cx="0" cy="0"/>
-          <a:chOff x="0" y="0"/>
-          <a:chExt cx="0" cy="0"/>
-        </a:xfrm>
-      </p:grpSpPr>
-      <p:sp>
-        <p:nvSpPr>
-          <p:cNvPr id="2" name="Title 1">
-            <a:extLst>
-              <a:ext uri="{FF2B5EF4-FFF2-40B4-BE49-F238E27FC236}">
-                <a16:creationId xmlns:a16="http://schemas.microsoft.com/office/drawing/2014/main" id="{FA4F7EC4-8ECE-7D51-2D8F-83404B07B974}"/>
-              </a:ext>
-            </a:extLst>
-          </p:cNvPr>
-          <p:cNvSpPr>
-            <a:spLocks noGrp="1"/>
-          </p:cNvSpPr>
-          <p:nvPr>
-            <p:ph type="title"/>
-          </p:nvPr>
-        </p:nvSpPr>
-        <p:spPr>
-          <a:xfrm>
-            <a:off x="531018" y="1308099"/>
-            <a:ext cx="10515600" cy="1325563"/>
-          </a:xfrm>
-        </p:spPr>
-        <p:txBody>
-          <a:bodyPr/>
-          <a:lstStyle/>
-          <a:p>
-            <a:r>
-              <a:rPr lang="en-US" dirty="0"/>
-              <a:t>Next Steps, if we had more time….</a:t>
-            </a:r>
-          </a:p>
-        </p:txBody>
-      </p:sp>
-    </p:spTree>
-    <p:extLst>
-      <p:ext uri="{BB962C8B-B14F-4D97-AF65-F5344CB8AC3E}">
-        <p14:creationId xmlns:p14="http://schemas.microsoft.com/office/powerpoint/2010/main" val="103146984"/>
-      </p:ext>
-    </p:extLst>
-  </p:cSld>
-  <p:clrMapOvr>
-    <a:masterClrMapping/>
-  </p:clrMapOvr>
-</p:sld>
-</file>
-
-<file path=ppt/slides/slide21.xml><?xml version="1.0" encoding="utf-8"?>
-<p:sld xmlns:a="http://schemas.openxmlformats.org/drawingml/2006/main" xmlns:r="http://schemas.openxmlformats.org/officeDocument/2006/relationships" xmlns:p="http://schemas.openxmlformats.org/presentationml/2006/main">
-  <p:cSld>
-    <p:spTree>
-      <p:nvGrpSpPr>
-        <p:cNvPr id="1" name=""/>
-        <p:cNvGrpSpPr/>
-        <p:nvPr/>
-      </p:nvGrpSpPr>
-      <p:grpSpPr>
-        <a:xfrm>
-          <a:off x="0" y="0"/>
-          <a:ext cx="0" cy="0"/>
-          <a:chOff x="0" y="0"/>
-          <a:chExt cx="0" cy="0"/>
-        </a:xfrm>
-      </p:grpSpPr>
-      <p:sp>
-        <p:nvSpPr>
-          <p:cNvPr id="2" name="Title 1">
-            <a:extLst>
-              <a:ext uri="{FF2B5EF4-FFF2-40B4-BE49-F238E27FC236}">
-                <a16:creationId xmlns:a16="http://schemas.microsoft.com/office/drawing/2014/main" id="{FA4F7EC4-8ECE-7D51-2D8F-83404B07B974}"/>
-              </a:ext>
-            </a:extLst>
-          </p:cNvPr>
-          <p:cNvSpPr>
-            <a:spLocks noGrp="1"/>
-          </p:cNvSpPr>
-          <p:nvPr>
-            <p:ph type="title"/>
-          </p:nvPr>
-        </p:nvSpPr>
-        <p:spPr>
-          <a:xfrm>
-            <a:off x="2846784" y="2922587"/>
-            <a:ext cx="6498432" cy="1325563"/>
-          </a:xfrm>
-        </p:spPr>
-        <p:txBody>
-          <a:bodyPr>
-            <a:normAutofit/>
-          </a:bodyPr>
-          <a:lstStyle/>
-          <a:p>
-            <a:r>
-              <a:rPr lang="en-US" sz="8800" dirty="0"/>
-              <a:t>Questions?</a:t>
-            </a:r>
-          </a:p>
-        </p:txBody>
-      </p:sp>
-    </p:spTree>
-    <p:extLst>
-      <p:ext uri="{BB962C8B-B14F-4D97-AF65-F5344CB8AC3E}">
-        <p14:creationId xmlns:p14="http://schemas.microsoft.com/office/powerpoint/2010/main" val="3411656873"/>
-      </p:ext>
-    </p:extLst>
-  </p:cSld>
-  <p:clrMapOvr>
-    <a:masterClrMapping/>
-  </p:clrMapOvr>
-</p:sld>
-</file>
-
-<file path=ppt/slides/slide22.xml><?xml version="1.0" encoding="utf-8"?>
-<p:sld xmlns:a="http://schemas.openxmlformats.org/drawingml/2006/main" xmlns:r="http://schemas.openxmlformats.org/officeDocument/2006/relationships" xmlns:p="http://schemas.openxmlformats.org/presentationml/2006/main">
-  <p:cSld>
-    <p:spTree>
-      <p:nvGrpSpPr>
-        <p:cNvPr id="1" name=""/>
-        <p:cNvGrpSpPr/>
-        <p:nvPr/>
-      </p:nvGrpSpPr>
-      <p:grpSpPr>
-        <a:xfrm>
-          <a:off x="0" y="0"/>
-          <a:ext cx="0" cy="0"/>
-          <a:chOff x="0" y="0"/>
-          <a:chExt cx="0" cy="0"/>
-        </a:xfrm>
-      </p:grpSpPr>
-      <p:sp>
-        <p:nvSpPr>
-          <p:cNvPr id="2" name="Title 1">
-            <a:extLst>
-              <a:ext uri="{FF2B5EF4-FFF2-40B4-BE49-F238E27FC236}">
-                <a16:creationId xmlns:a16="http://schemas.microsoft.com/office/drawing/2014/main" id="{783FB71F-5769-1946-D3AD-6AA0D099FFD2}"/>
-              </a:ext>
-            </a:extLst>
-          </p:cNvPr>
-          <p:cNvSpPr>
-            <a:spLocks noGrp="1"/>
-          </p:cNvSpPr>
-          <p:nvPr>
-            <p:ph type="title"/>
-          </p:nvPr>
-        </p:nvSpPr>
-        <p:spPr/>
-        <p:txBody>
-          <a:bodyPr/>
-          <a:lstStyle/>
-          <a:p>
-            <a:endParaRPr lang="en-US"/>
-          </a:p>
-        </p:txBody>
-      </p:sp>
-    </p:spTree>
-    <p:extLst>
-      <p:ext uri="{BB962C8B-B14F-4D97-AF65-F5344CB8AC3E}">
-        <p14:creationId xmlns:p14="http://schemas.microsoft.com/office/powerpoint/2010/main" val="2961535824"/>
       </p:ext>
     </p:extLst>
   </p:cSld>
@@ -7338,7 +7214,7 @@
         </p:blipFill>
         <p:spPr>
           <a:xfrm>
-            <a:off x="726791" y="2039481"/>
+            <a:off x="726791" y="2113124"/>
             <a:ext cx="5849461" cy="3945683"/>
           </a:xfrm>
           <a:prstGeom prst="rect">
@@ -7360,8 +7236,8 @@
         </p:nvSpPr>
         <p:spPr>
           <a:xfrm>
-            <a:off x="6807200" y="2380344"/>
-            <a:ext cx="4847771" cy="2031325"/>
+            <a:off x="6576252" y="2288291"/>
+            <a:ext cx="5078719" cy="2862322"/>
           </a:xfrm>
           <a:prstGeom prst="rect">
             <a:avLst/>
@@ -7374,17 +7250,26 @@
           </a:bodyPr>
           <a:lstStyle/>
           <a:p>
+            <a:r>
+              <a:rPr lang="en-US" sz="2000" b="1" dirty="0"/>
+              <a:t>Racial Distribution in Election Years</a:t>
+            </a:r>
+            <a:r>
+              <a:rPr lang="en-US" sz="2000" dirty="0"/>
+              <a:t>:</a:t>
+            </a:r>
+          </a:p>
+          <a:p>
+            <a:endParaRPr lang="en-US" sz="2000" dirty="0"/>
+          </a:p>
+          <a:p>
             <a:pPr>
               <a:buFont typeface="Arial" panose="020B0604020202020204" pitchFamily="34" charset="0"/>
               <a:buChar char="•"/>
             </a:pPr>
             <a:r>
-              <a:rPr lang="en-US" b="1" dirty="0"/>
-              <a:t>Racial Distribution in Election Years</a:t>
-            </a:r>
-            <a:r>
-              <a:rPr lang="en-US" dirty="0"/>
-              <a:t>:</a:t>
+              <a:rPr lang="en-US" sz="2000" dirty="0"/>
+              <a:t> The largest percentage identifies as White, though this has seen a gradual decrease over the years.</a:t>
             </a:r>
           </a:p>
           <a:p>
@@ -7392,10 +7277,7 @@
               <a:buFont typeface="Arial" panose="020B0604020202020204" pitchFamily="34" charset="0"/>
               <a:buChar char="•"/>
             </a:pPr>
-            <a:r>
-              <a:rPr lang="en-US" dirty="0"/>
-              <a:t> The largest percentage identifies as White, though this has seen a gradual decrease over the years.</a:t>
-            </a:r>
+            <a:endParaRPr lang="en-US" sz="2000" dirty="0"/>
           </a:p>
           <a:p>
             <a:pPr>
@@ -7403,11 +7285,11 @@
               <a:buChar char="•"/>
             </a:pPr>
             <a:r>
-              <a:rPr lang="en-US" b="1" dirty="0"/>
+              <a:rPr lang="en-US" sz="2000" b="1" dirty="0"/>
               <a:t> </a:t>
             </a:r>
             <a:r>
-              <a:rPr lang="en-US" dirty="0"/>
+              <a:rPr lang="en-US" sz="2000" dirty="0"/>
               <a:t>The next consistently higher groups identify as Black/African-American or Hispanic/Latino(any Race).</a:t>
             </a:r>
           </a:p>

--- a/Election_Prediction_Presentation.pptx
+++ b/Election_Prediction_Presentation.pptx
@@ -133,7 +133,7 @@
 <file path=ppt/revisionInfo.xml><?xml version="1.0" encoding="utf-8"?>
 <p1510:revInfo xmlns:a="http://schemas.openxmlformats.org/drawingml/2006/main" xmlns:r="http://schemas.openxmlformats.org/officeDocument/2006/relationships" xmlns:p1510="http://schemas.microsoft.com/office/powerpoint/2015/10/main">
   <p1510:revLst>
-    <p1510:client id="{017DBC89-A36F-4FF4-91FC-E6C4E32ABFED}" v="51" dt="2024-09-13T02:06:21.475"/>
+    <p1510:client id="{017DBC89-A36F-4FF4-91FC-E6C4E32ABFED}" v="52" dt="2024-09-13T02:27:28.499"/>
   </p1510:revLst>
 </p1510:revInfo>
 </file>
